--- a/intro_python/2_operators_conditionals/operators_conditionals.pptx
+++ b/intro_python/2_operators_conditionals/operators_conditionals.pptx
@@ -15,7 +15,6 @@
     <p:sldId id="260" r:id="rId10"/>
     <p:sldId id="261" r:id="rId11"/>
     <p:sldId id="262" r:id="rId12"/>
-    <p:sldId id="263" r:id="rId13"/>
   </p:sldIdLst>
   <p:sldSz cy="6858000" cx="12192000"/>
   <p:notesSz cx="6858000" cy="9144000"/>
@@ -250,7 +249,7 @@
   </p:defaultTextStyle>
   <p:extLst>
     <p:ext uri="GoogleSlidesCustomDataVersion2">
-      <go:slidesCustomData xmlns:go="http://customooxmlschemas.google.com/" r:id="rId14" roundtripDataSignature="AMtx7mguC2M2TZhDv2HdsE5+mjJzqhL/AQ=="/>
+      <go:slidesCustomData xmlns:go="http://customooxmlschemas.google.com/" r:id="rId13" roundtripDataSignature="AMtx7mgJzTSfTWZyckcoN2/gSqBUG7KkSg=="/>
     </p:ext>
   </p:extLst>
 </p:presentation>
@@ -800,7 +799,42 @@
       </p:grpSpPr>
       <p:sp>
         <p:nvSpPr>
-          <p:cNvPr id="51" name="Google Shape;51;p2:notes"/>
+          <p:cNvPr id="51" name="Google Shape;51;g357606a6c1a_0_0:notes"/>
+          <p:cNvSpPr/>
+          <p:nvPr>
+            <p:ph idx="2" type="sldImg"/>
+          </p:nvPr>
+        </p:nvSpPr>
+        <p:spPr>
+          <a:xfrm>
+            <a:off x="1143225" y="685800"/>
+            <a:ext cx="4572300" cy="3429000"/>
+          </a:xfrm>
+          <a:custGeom>
+            <a:rect b="b" l="l" r="r" t="t"/>
+            <a:pathLst>
+              <a:path extrusionOk="0" h="120000" w="120000">
+                <a:moveTo>
+                  <a:pt x="0" y="0"/>
+                </a:moveTo>
+                <a:lnTo>
+                  <a:pt x="120000" y="0"/>
+                </a:lnTo>
+                <a:lnTo>
+                  <a:pt x="120000" y="120000"/>
+                </a:lnTo>
+                <a:lnTo>
+                  <a:pt x="0" y="120000"/>
+                </a:lnTo>
+                <a:close/>
+              </a:path>
+            </a:pathLst>
+          </a:custGeom>
+        </p:spPr>
+      </p:sp>
+      <p:sp>
+        <p:nvSpPr>
+          <p:cNvPr id="52" name="Google Shape;52;g357606a6c1a_0_0:notes"/>
           <p:cNvSpPr txBox="1"/>
           <p:nvPr>
             <p:ph idx="1" type="body"/>
@@ -837,9 +871,172 @@
           </a:p>
         </p:txBody>
       </p:sp>
+    </p:spTree>
+  </p:cSld>
+  <p:clrMapOvr>
+    <a:masterClrMapping/>
+  </p:clrMapOvr>
+</p:notes>
+</file>
+
+<file path=ppt/notesSlides/notesSlide3.xml><?xml version="1.0" encoding="utf-8"?>
+<p:notes xmlns:a="http://schemas.openxmlformats.org/drawingml/2006/main" xmlns:r="http://schemas.openxmlformats.org/officeDocument/2006/relationships" xmlns:mc="http://schemas.openxmlformats.org/markup-compatibility/2006" xmlns:mv="urn:schemas-microsoft-com:mac:vml" xmlns:p="http://schemas.openxmlformats.org/presentationml/2006/main" xmlns:c="http://schemas.openxmlformats.org/drawingml/2006/chart" xmlns:dgm="http://schemas.openxmlformats.org/drawingml/2006/diagram" xmlns:o="urn:schemas-microsoft-com:office:office" xmlns:v="urn:schemas-microsoft-com:vml" xmlns:pvml="urn:schemas-microsoft-com:office:powerpoint" xmlns:com="http://schemas.openxmlformats.org/drawingml/2006/compatibility" xmlns:p14="http://schemas.microsoft.com/office/powerpoint/2010/main" xmlns:p15="http://schemas.microsoft.com/office/powerpoint/2012/main" xmlns:ahyp="http://schemas.microsoft.com/office/drawing/2018/hyperlinkcolor" showMasterPhAnim="0" showMasterSp="0">
+  <p:cSld>
+    <p:spTree>
+      <p:nvGrpSpPr>
+        <p:cNvPr id="56" name="Shape 56"/>
+        <p:cNvGrpSpPr/>
+        <p:nvPr/>
+      </p:nvGrpSpPr>
+      <p:grpSpPr>
+        <a:xfrm>
+          <a:off x="0" y="0"/>
+          <a:ext cx="0" cy="0"/>
+          <a:chOff x="0" y="0"/>
+          <a:chExt cx="0" cy="0"/>
+        </a:xfrm>
+      </p:grpSpPr>
       <p:sp>
         <p:nvSpPr>
-          <p:cNvPr id="52" name="Google Shape;52;p2:notes"/>
+          <p:cNvPr id="57" name="Google Shape;57;g357606a6c1a_0_5:notes"/>
+          <p:cNvSpPr/>
+          <p:nvPr>
+            <p:ph idx="2" type="sldImg"/>
+          </p:nvPr>
+        </p:nvSpPr>
+        <p:spPr>
+          <a:xfrm>
+            <a:off x="1143225" y="685800"/>
+            <a:ext cx="4572300" cy="3429000"/>
+          </a:xfrm>
+          <a:custGeom>
+            <a:rect b="b" l="l" r="r" t="t"/>
+            <a:pathLst>
+              <a:path extrusionOk="0" h="120000" w="120000">
+                <a:moveTo>
+                  <a:pt x="0" y="0"/>
+                </a:moveTo>
+                <a:lnTo>
+                  <a:pt x="120000" y="0"/>
+                </a:lnTo>
+                <a:lnTo>
+                  <a:pt x="120000" y="120000"/>
+                </a:lnTo>
+                <a:lnTo>
+                  <a:pt x="0" y="120000"/>
+                </a:lnTo>
+                <a:close/>
+              </a:path>
+            </a:pathLst>
+          </a:custGeom>
+        </p:spPr>
+      </p:sp>
+      <p:sp>
+        <p:nvSpPr>
+          <p:cNvPr id="58" name="Google Shape;58;g357606a6c1a_0_5:notes"/>
+          <p:cNvSpPr txBox="1"/>
+          <p:nvPr>
+            <p:ph idx="1" type="body"/>
+          </p:nvPr>
+        </p:nvSpPr>
+        <p:spPr>
+          <a:xfrm>
+            <a:off x="685800" y="4343400"/>
+            <a:ext cx="5486400" cy="4114800"/>
+          </a:xfrm>
+          <a:prstGeom prst="rect">
+            <a:avLst/>
+          </a:prstGeom>
+        </p:spPr>
+        <p:txBody>
+          <a:bodyPr anchorCtr="0" anchor="t" bIns="91425" lIns="91425" spcFirstLastPara="1" rIns="91425" wrap="square" tIns="91425">
+            <a:noAutofit/>
+          </a:bodyPr>
+          <a:lstStyle/>
+          <a:p>
+            <a:pPr indent="0" lvl="0" marL="0" rtl="0" algn="l">
+              <a:spcBef>
+                <a:spcPts val="0"/>
+              </a:spcBef>
+              <a:spcAft>
+                <a:spcPts val="0"/>
+              </a:spcAft>
+              <a:buNone/>
+            </a:pPr>
+            <a:r>
+              <a:t/>
+            </a:r>
+            <a:endParaRPr/>
+          </a:p>
+        </p:txBody>
+      </p:sp>
+    </p:spTree>
+  </p:cSld>
+  <p:clrMapOvr>
+    <a:masterClrMapping/>
+  </p:clrMapOvr>
+</p:notes>
+</file>
+
+<file path=ppt/notesSlides/notesSlide4.xml><?xml version="1.0" encoding="utf-8"?>
+<p:notes xmlns:a="http://schemas.openxmlformats.org/drawingml/2006/main" xmlns:r="http://schemas.openxmlformats.org/officeDocument/2006/relationships" xmlns:mc="http://schemas.openxmlformats.org/markup-compatibility/2006" xmlns:mv="urn:schemas-microsoft-com:mac:vml" xmlns:p="http://schemas.openxmlformats.org/presentationml/2006/main" xmlns:c="http://schemas.openxmlformats.org/drawingml/2006/chart" xmlns:dgm="http://schemas.openxmlformats.org/drawingml/2006/diagram" xmlns:o="urn:schemas-microsoft-com:office:office" xmlns:v="urn:schemas-microsoft-com:vml" xmlns:pvml="urn:schemas-microsoft-com:office:powerpoint" xmlns:com="http://schemas.openxmlformats.org/drawingml/2006/compatibility" xmlns:p14="http://schemas.microsoft.com/office/powerpoint/2010/main" xmlns:p15="http://schemas.microsoft.com/office/powerpoint/2012/main" xmlns:ahyp="http://schemas.microsoft.com/office/drawing/2018/hyperlinkcolor" showMasterPhAnim="0" showMasterSp="0">
+  <p:cSld>
+    <p:spTree>
+      <p:nvGrpSpPr>
+        <p:cNvPr id="62" name="Shape 62"/>
+        <p:cNvGrpSpPr/>
+        <p:nvPr/>
+      </p:nvGrpSpPr>
+      <p:grpSpPr>
+        <a:xfrm>
+          <a:off x="0" y="0"/>
+          <a:ext cx="0" cy="0"/>
+          <a:chOff x="0" y="0"/>
+          <a:chExt cx="0" cy="0"/>
+        </a:xfrm>
+      </p:grpSpPr>
+      <p:sp>
+        <p:nvSpPr>
+          <p:cNvPr id="63" name="Google Shape;63;p4:notes"/>
+          <p:cNvSpPr txBox="1"/>
+          <p:nvPr>
+            <p:ph idx="1" type="body"/>
+          </p:nvPr>
+        </p:nvSpPr>
+        <p:spPr>
+          <a:xfrm>
+            <a:off x="685800" y="4343400"/>
+            <a:ext cx="5486400" cy="4114800"/>
+          </a:xfrm>
+          <a:prstGeom prst="rect">
+            <a:avLst/>
+          </a:prstGeom>
+        </p:spPr>
+        <p:txBody>
+          <a:bodyPr anchorCtr="0" anchor="t" bIns="91425" lIns="91425" spcFirstLastPara="1" rIns="91425" wrap="square" tIns="91425">
+            <a:noAutofit/>
+          </a:bodyPr>
+          <a:lstStyle/>
+          <a:p>
+            <a:pPr indent="0" lvl="0" marL="0" rtl="0" algn="l">
+              <a:spcBef>
+                <a:spcPts val="0"/>
+              </a:spcBef>
+              <a:spcAft>
+                <a:spcPts val="0"/>
+              </a:spcAft>
+              <a:buNone/>
+            </a:pPr>
+            <a:r>
+              <a:t/>
+            </a:r>
+            <a:endParaRPr/>
+          </a:p>
+        </p:txBody>
+      </p:sp>
+      <p:sp>
+        <p:nvSpPr>
+          <p:cNvPr id="64" name="Google Shape;64;p4:notes"/>
           <p:cNvSpPr/>
           <p:nvPr>
             <p:ph idx="2" type="sldImg"/>
@@ -880,12 +1077,12 @@
 </p:notes>
 </file>
 
-<file path=ppt/notesSlides/notesSlide3.xml><?xml version="1.0" encoding="utf-8"?>
+<file path=ppt/notesSlides/notesSlide5.xml><?xml version="1.0" encoding="utf-8"?>
 <p:notes xmlns:a="http://schemas.openxmlformats.org/drawingml/2006/main" xmlns:r="http://schemas.openxmlformats.org/officeDocument/2006/relationships" xmlns:mc="http://schemas.openxmlformats.org/markup-compatibility/2006" xmlns:mv="urn:schemas-microsoft-com:mac:vml" xmlns:p="http://schemas.openxmlformats.org/presentationml/2006/main" xmlns:c="http://schemas.openxmlformats.org/drawingml/2006/chart" xmlns:dgm="http://schemas.openxmlformats.org/drawingml/2006/diagram" xmlns:o="urn:schemas-microsoft-com:office:office" xmlns:v="urn:schemas-microsoft-com:vml" xmlns:pvml="urn:schemas-microsoft-com:office:powerpoint" xmlns:com="http://schemas.openxmlformats.org/drawingml/2006/compatibility" xmlns:p14="http://schemas.microsoft.com/office/powerpoint/2010/main" xmlns:p15="http://schemas.microsoft.com/office/powerpoint/2012/main" xmlns:ahyp="http://schemas.microsoft.com/office/drawing/2018/hyperlinkcolor" showMasterPhAnim="0" showMasterSp="0">
   <p:cSld>
     <p:spTree>
       <p:nvGrpSpPr>
-        <p:cNvPr id="56" name="Shape 56"/>
+        <p:cNvPr id="68" name="Shape 68"/>
         <p:cNvGrpSpPr/>
         <p:nvPr/>
       </p:nvGrpSpPr>
@@ -899,42 +1096,7 @@
       </p:grpSpPr>
       <p:sp>
         <p:nvSpPr>
-          <p:cNvPr id="57" name="Google Shape;57;g357606a6c1a_0_0:notes"/>
-          <p:cNvSpPr/>
-          <p:nvPr>
-            <p:ph idx="2" type="sldImg"/>
-          </p:nvPr>
-        </p:nvSpPr>
-        <p:spPr>
-          <a:xfrm>
-            <a:off x="1143225" y="685800"/>
-            <a:ext cx="4572300" cy="3429000"/>
-          </a:xfrm>
-          <a:custGeom>
-            <a:rect b="b" l="l" r="r" t="t"/>
-            <a:pathLst>
-              <a:path extrusionOk="0" h="120000" w="120000">
-                <a:moveTo>
-                  <a:pt x="0" y="0"/>
-                </a:moveTo>
-                <a:lnTo>
-                  <a:pt x="120000" y="0"/>
-                </a:lnTo>
-                <a:lnTo>
-                  <a:pt x="120000" y="120000"/>
-                </a:lnTo>
-                <a:lnTo>
-                  <a:pt x="0" y="120000"/>
-                </a:lnTo>
-                <a:close/>
-              </a:path>
-            </a:pathLst>
-          </a:custGeom>
-        </p:spPr>
-      </p:sp>
-      <p:sp>
-        <p:nvSpPr>
-          <p:cNvPr id="58" name="Google Shape;58;g357606a6c1a_0_0:notes"/>
+          <p:cNvPr id="69" name="Google Shape;69;p5:notes"/>
           <p:cNvSpPr txBox="1"/>
           <p:nvPr>
             <p:ph idx="1" type="body"/>
@@ -971,172 +1133,9 @@
           </a:p>
         </p:txBody>
       </p:sp>
-    </p:spTree>
-  </p:cSld>
-  <p:clrMapOvr>
-    <a:masterClrMapping/>
-  </p:clrMapOvr>
-</p:notes>
-</file>
-
-<file path=ppt/notesSlides/notesSlide4.xml><?xml version="1.0" encoding="utf-8"?>
-<p:notes xmlns:a="http://schemas.openxmlformats.org/drawingml/2006/main" xmlns:r="http://schemas.openxmlformats.org/officeDocument/2006/relationships" xmlns:mc="http://schemas.openxmlformats.org/markup-compatibility/2006" xmlns:mv="urn:schemas-microsoft-com:mac:vml" xmlns:p="http://schemas.openxmlformats.org/presentationml/2006/main" xmlns:c="http://schemas.openxmlformats.org/drawingml/2006/chart" xmlns:dgm="http://schemas.openxmlformats.org/drawingml/2006/diagram" xmlns:o="urn:schemas-microsoft-com:office:office" xmlns:v="urn:schemas-microsoft-com:vml" xmlns:pvml="urn:schemas-microsoft-com:office:powerpoint" xmlns:com="http://schemas.openxmlformats.org/drawingml/2006/compatibility" xmlns:p14="http://schemas.microsoft.com/office/powerpoint/2010/main" xmlns:p15="http://schemas.microsoft.com/office/powerpoint/2012/main" xmlns:ahyp="http://schemas.microsoft.com/office/drawing/2018/hyperlinkcolor" showMasterPhAnim="0" showMasterSp="0">
-  <p:cSld>
-    <p:spTree>
-      <p:nvGrpSpPr>
-        <p:cNvPr id="62" name="Shape 62"/>
-        <p:cNvGrpSpPr/>
-        <p:nvPr/>
-      </p:nvGrpSpPr>
-      <p:grpSpPr>
-        <a:xfrm>
-          <a:off x="0" y="0"/>
-          <a:ext cx="0" cy="0"/>
-          <a:chOff x="0" y="0"/>
-          <a:chExt cx="0" cy="0"/>
-        </a:xfrm>
-      </p:grpSpPr>
       <p:sp>
         <p:nvSpPr>
-          <p:cNvPr id="63" name="Google Shape;63;g357606a6c1a_0_5:notes"/>
-          <p:cNvSpPr/>
-          <p:nvPr>
-            <p:ph idx="2" type="sldImg"/>
-          </p:nvPr>
-        </p:nvSpPr>
-        <p:spPr>
-          <a:xfrm>
-            <a:off x="1143225" y="685800"/>
-            <a:ext cx="4572300" cy="3429000"/>
-          </a:xfrm>
-          <a:custGeom>
-            <a:rect b="b" l="l" r="r" t="t"/>
-            <a:pathLst>
-              <a:path extrusionOk="0" h="120000" w="120000">
-                <a:moveTo>
-                  <a:pt x="0" y="0"/>
-                </a:moveTo>
-                <a:lnTo>
-                  <a:pt x="120000" y="0"/>
-                </a:lnTo>
-                <a:lnTo>
-                  <a:pt x="120000" y="120000"/>
-                </a:lnTo>
-                <a:lnTo>
-                  <a:pt x="0" y="120000"/>
-                </a:lnTo>
-                <a:close/>
-              </a:path>
-            </a:pathLst>
-          </a:custGeom>
-        </p:spPr>
-      </p:sp>
-      <p:sp>
-        <p:nvSpPr>
-          <p:cNvPr id="64" name="Google Shape;64;g357606a6c1a_0_5:notes"/>
-          <p:cNvSpPr txBox="1"/>
-          <p:nvPr>
-            <p:ph idx="1" type="body"/>
-          </p:nvPr>
-        </p:nvSpPr>
-        <p:spPr>
-          <a:xfrm>
-            <a:off x="685800" y="4343400"/>
-            <a:ext cx="5486400" cy="4114800"/>
-          </a:xfrm>
-          <a:prstGeom prst="rect">
-            <a:avLst/>
-          </a:prstGeom>
-        </p:spPr>
-        <p:txBody>
-          <a:bodyPr anchorCtr="0" anchor="t" bIns="91425" lIns="91425" spcFirstLastPara="1" rIns="91425" wrap="square" tIns="91425">
-            <a:noAutofit/>
-          </a:bodyPr>
-          <a:lstStyle/>
-          <a:p>
-            <a:pPr indent="0" lvl="0" marL="0" rtl="0" algn="l">
-              <a:spcBef>
-                <a:spcPts val="0"/>
-              </a:spcBef>
-              <a:spcAft>
-                <a:spcPts val="0"/>
-              </a:spcAft>
-              <a:buNone/>
-            </a:pPr>
-            <a:r>
-              <a:t/>
-            </a:r>
-            <a:endParaRPr/>
-          </a:p>
-        </p:txBody>
-      </p:sp>
-    </p:spTree>
-  </p:cSld>
-  <p:clrMapOvr>
-    <a:masterClrMapping/>
-  </p:clrMapOvr>
-</p:notes>
-</file>
-
-<file path=ppt/notesSlides/notesSlide5.xml><?xml version="1.0" encoding="utf-8"?>
-<p:notes xmlns:a="http://schemas.openxmlformats.org/drawingml/2006/main" xmlns:r="http://schemas.openxmlformats.org/officeDocument/2006/relationships" xmlns:mc="http://schemas.openxmlformats.org/markup-compatibility/2006" xmlns:mv="urn:schemas-microsoft-com:mac:vml" xmlns:p="http://schemas.openxmlformats.org/presentationml/2006/main" xmlns:c="http://schemas.openxmlformats.org/drawingml/2006/chart" xmlns:dgm="http://schemas.openxmlformats.org/drawingml/2006/diagram" xmlns:o="urn:schemas-microsoft-com:office:office" xmlns:v="urn:schemas-microsoft-com:vml" xmlns:pvml="urn:schemas-microsoft-com:office:powerpoint" xmlns:com="http://schemas.openxmlformats.org/drawingml/2006/compatibility" xmlns:p14="http://schemas.microsoft.com/office/powerpoint/2010/main" xmlns:p15="http://schemas.microsoft.com/office/powerpoint/2012/main" xmlns:ahyp="http://schemas.microsoft.com/office/drawing/2018/hyperlinkcolor" showMasterPhAnim="0" showMasterSp="0">
-  <p:cSld>
-    <p:spTree>
-      <p:nvGrpSpPr>
-        <p:cNvPr id="68" name="Shape 68"/>
-        <p:cNvGrpSpPr/>
-        <p:nvPr/>
-      </p:nvGrpSpPr>
-      <p:grpSpPr>
-        <a:xfrm>
-          <a:off x="0" y="0"/>
-          <a:ext cx="0" cy="0"/>
-          <a:chOff x="0" y="0"/>
-          <a:chExt cx="0" cy="0"/>
-        </a:xfrm>
-      </p:grpSpPr>
-      <p:sp>
-        <p:nvSpPr>
-          <p:cNvPr id="69" name="Google Shape;69;p4:notes"/>
-          <p:cNvSpPr txBox="1"/>
-          <p:nvPr>
-            <p:ph idx="1" type="body"/>
-          </p:nvPr>
-        </p:nvSpPr>
-        <p:spPr>
-          <a:xfrm>
-            <a:off x="685800" y="4343400"/>
-            <a:ext cx="5486400" cy="4114800"/>
-          </a:xfrm>
-          <a:prstGeom prst="rect">
-            <a:avLst/>
-          </a:prstGeom>
-        </p:spPr>
-        <p:txBody>
-          <a:bodyPr anchorCtr="0" anchor="t" bIns="91425" lIns="91425" spcFirstLastPara="1" rIns="91425" wrap="square" tIns="91425">
-            <a:noAutofit/>
-          </a:bodyPr>
-          <a:lstStyle/>
-          <a:p>
-            <a:pPr indent="0" lvl="0" marL="0" rtl="0" algn="l">
-              <a:spcBef>
-                <a:spcPts val="0"/>
-              </a:spcBef>
-              <a:spcAft>
-                <a:spcPts val="0"/>
-              </a:spcAft>
-              <a:buNone/>
-            </a:pPr>
-            <a:r>
-              <a:t/>
-            </a:r>
-            <a:endParaRPr/>
-          </a:p>
-        </p:txBody>
-      </p:sp>
-      <p:sp>
-        <p:nvSpPr>
-          <p:cNvPr id="70" name="Google Shape;70;p4:notes"/>
+          <p:cNvPr id="70" name="Google Shape;70;p5:notes"/>
           <p:cNvSpPr/>
           <p:nvPr>
             <p:ph idx="2" type="sldImg"/>
@@ -1182,7 +1181,7 @@
   <p:cSld>
     <p:spTree>
       <p:nvGrpSpPr>
-        <p:cNvPr id="74" name="Shape 74"/>
+        <p:cNvPr id="75" name="Shape 75"/>
         <p:cNvGrpSpPr/>
         <p:nvPr/>
       </p:nvGrpSpPr>
@@ -1196,7 +1195,7 @@
       </p:grpSpPr>
       <p:sp>
         <p:nvSpPr>
-          <p:cNvPr id="75" name="Google Shape;75;p5:notes"/>
+          <p:cNvPr id="76" name="Google Shape;76;p6:notes"/>
           <p:cNvSpPr txBox="1"/>
           <p:nvPr>
             <p:ph idx="1" type="body"/>
@@ -1235,7 +1234,7 @@
       </p:sp>
       <p:sp>
         <p:nvSpPr>
-          <p:cNvPr id="76" name="Google Shape;76;p5:notes"/>
+          <p:cNvPr id="77" name="Google Shape;77;p6:notes"/>
           <p:cNvSpPr/>
           <p:nvPr>
             <p:ph idx="2" type="sldImg"/>
@@ -1295,7 +1294,7 @@
       </p:grpSpPr>
       <p:sp>
         <p:nvSpPr>
-          <p:cNvPr id="82" name="Google Shape;82;p6:notes"/>
+          <p:cNvPr id="82" name="Google Shape;82;p11:notes"/>
           <p:cNvSpPr txBox="1"/>
           <p:nvPr>
             <p:ph idx="1" type="body"/>
@@ -1334,106 +1333,7 @@
       </p:sp>
       <p:sp>
         <p:nvSpPr>
-          <p:cNvPr id="83" name="Google Shape;83;p6:notes"/>
-          <p:cNvSpPr/>
-          <p:nvPr>
-            <p:ph idx="2" type="sldImg"/>
-          </p:nvPr>
-        </p:nvSpPr>
-        <p:spPr>
-          <a:xfrm>
-            <a:off x="1143225" y="685800"/>
-            <a:ext cx="4572225" cy="3429000"/>
-          </a:xfrm>
-          <a:custGeom>
-            <a:rect b="b" l="l" r="r" t="t"/>
-            <a:pathLst>
-              <a:path extrusionOk="0" h="120000" w="120000">
-                <a:moveTo>
-                  <a:pt x="0" y="0"/>
-                </a:moveTo>
-                <a:lnTo>
-                  <a:pt x="120000" y="0"/>
-                </a:lnTo>
-                <a:lnTo>
-                  <a:pt x="120000" y="120000"/>
-                </a:lnTo>
-                <a:lnTo>
-                  <a:pt x="0" y="120000"/>
-                </a:lnTo>
-                <a:close/>
-              </a:path>
-            </a:pathLst>
-          </a:custGeom>
-        </p:spPr>
-      </p:sp>
-    </p:spTree>
-  </p:cSld>
-  <p:clrMapOvr>
-    <a:masterClrMapping/>
-  </p:clrMapOvr>
-</p:notes>
-</file>
-
-<file path=ppt/notesSlides/notesSlide8.xml><?xml version="1.0" encoding="utf-8"?>
-<p:notes xmlns:a="http://schemas.openxmlformats.org/drawingml/2006/main" xmlns:r="http://schemas.openxmlformats.org/officeDocument/2006/relationships" xmlns:mc="http://schemas.openxmlformats.org/markup-compatibility/2006" xmlns:mv="urn:schemas-microsoft-com:mac:vml" xmlns:p="http://schemas.openxmlformats.org/presentationml/2006/main" xmlns:c="http://schemas.openxmlformats.org/drawingml/2006/chart" xmlns:dgm="http://schemas.openxmlformats.org/drawingml/2006/diagram" xmlns:o="urn:schemas-microsoft-com:office:office" xmlns:v="urn:schemas-microsoft-com:vml" xmlns:pvml="urn:schemas-microsoft-com:office:powerpoint" xmlns:com="http://schemas.openxmlformats.org/drawingml/2006/compatibility" xmlns:p14="http://schemas.microsoft.com/office/powerpoint/2010/main" xmlns:p15="http://schemas.microsoft.com/office/powerpoint/2012/main" xmlns:ahyp="http://schemas.microsoft.com/office/drawing/2018/hyperlinkcolor" showMasterPhAnim="0" showMasterSp="0">
-  <p:cSld>
-    <p:spTree>
-      <p:nvGrpSpPr>
-        <p:cNvPr id="87" name="Shape 87"/>
-        <p:cNvGrpSpPr/>
-        <p:nvPr/>
-      </p:nvGrpSpPr>
-      <p:grpSpPr>
-        <a:xfrm>
-          <a:off x="0" y="0"/>
-          <a:ext cx="0" cy="0"/>
-          <a:chOff x="0" y="0"/>
-          <a:chExt cx="0" cy="0"/>
-        </a:xfrm>
-      </p:grpSpPr>
-      <p:sp>
-        <p:nvSpPr>
-          <p:cNvPr id="88" name="Google Shape;88;p11:notes"/>
-          <p:cNvSpPr txBox="1"/>
-          <p:nvPr>
-            <p:ph idx="1" type="body"/>
-          </p:nvPr>
-        </p:nvSpPr>
-        <p:spPr>
-          <a:xfrm>
-            <a:off x="685800" y="4343400"/>
-            <a:ext cx="5486400" cy="4114800"/>
-          </a:xfrm>
-          <a:prstGeom prst="rect">
-            <a:avLst/>
-          </a:prstGeom>
-        </p:spPr>
-        <p:txBody>
-          <a:bodyPr anchorCtr="0" anchor="t" bIns="91425" lIns="91425" spcFirstLastPara="1" rIns="91425" wrap="square" tIns="91425">
-            <a:noAutofit/>
-          </a:bodyPr>
-          <a:lstStyle/>
-          <a:p>
-            <a:pPr indent="0" lvl="0" marL="0" rtl="0" algn="l">
-              <a:spcBef>
-                <a:spcPts val="0"/>
-              </a:spcBef>
-              <a:spcAft>
-                <a:spcPts val="0"/>
-              </a:spcAft>
-              <a:buNone/>
-            </a:pPr>
-            <a:r>
-              <a:t/>
-            </a:r>
-            <a:endParaRPr/>
-          </a:p>
-        </p:txBody>
-      </p:sp>
-      <p:sp>
-        <p:nvSpPr>
-          <p:cNvPr id="89" name="Google Shape;89;p11:notes"/>
+          <p:cNvPr id="83" name="Google Shape;83;p11:notes"/>
           <p:cNvSpPr/>
           <p:nvPr>
             <p:ph idx="2" type="sldImg"/>
@@ -6087,317 +5987,7 @@
       </p:grpSpPr>
       <p:sp>
         <p:nvSpPr>
-          <p:cNvPr id="54" name="Google Shape;54;p2"/>
-          <p:cNvSpPr txBox="1"/>
-          <p:nvPr>
-            <p:ph type="title"/>
-          </p:nvPr>
-        </p:nvSpPr>
-        <p:spPr>
-          <a:xfrm>
-            <a:off x="622937" y="437444"/>
-            <a:ext cx="9649953" cy="980194"/>
-          </a:xfrm>
-          <a:prstGeom prst="rect">
-            <a:avLst/>
-          </a:prstGeom>
-          <a:noFill/>
-          <a:ln>
-            <a:noFill/>
-          </a:ln>
-        </p:spPr>
-        <p:txBody>
-          <a:bodyPr anchorCtr="0" anchor="ctr" bIns="45700" lIns="91425" spcFirstLastPara="1" rIns="91425" wrap="square" tIns="45700">
-            <a:noAutofit/>
-          </a:bodyPr>
-          <a:lstStyle/>
-          <a:p>
-            <a:pPr indent="0" lvl="0" marL="0" rtl="0" algn="ctr">
-              <a:spcBef>
-                <a:spcPts val="0"/>
-              </a:spcBef>
-              <a:spcAft>
-                <a:spcPts val="0"/>
-              </a:spcAft>
-              <a:buClr>
-                <a:srgbClr val="000000"/>
-              </a:buClr>
-              <a:buSzPts val="3600"/>
-              <a:buFont typeface="Times New Roman"/>
-              <a:buNone/>
-            </a:pPr>
-            <a:r>
-              <a:rPr lang="en-US">
-                <a:solidFill>
-                  <a:srgbClr val="000000"/>
-                </a:solidFill>
-              </a:rPr>
-              <a:t>Today's Lesson</a:t>
-            </a:r>
-            <a:endParaRPr>
-              <a:solidFill>
-                <a:srgbClr val="000000"/>
-              </a:solidFill>
-            </a:endParaRPr>
-          </a:p>
-        </p:txBody>
-      </p:sp>
-      <p:sp>
-        <p:nvSpPr>
-          <p:cNvPr id="55" name="Google Shape;55;p2"/>
-          <p:cNvSpPr txBox="1"/>
-          <p:nvPr>
-            <p:ph idx="1" type="body"/>
-          </p:nvPr>
-        </p:nvSpPr>
-        <p:spPr>
-          <a:xfrm>
-            <a:off x="658519" y="1600200"/>
-            <a:ext cx="10856148" cy="4778022"/>
-          </a:xfrm>
-          <a:prstGeom prst="rect">
-            <a:avLst/>
-          </a:prstGeom>
-          <a:noFill/>
-          <a:ln>
-            <a:noFill/>
-          </a:ln>
-        </p:spPr>
-        <p:txBody>
-          <a:bodyPr anchorCtr="0" anchor="t" bIns="34275" lIns="68575" spcFirstLastPara="1" rIns="68575" wrap="square" tIns="34275">
-            <a:normAutofit/>
-          </a:bodyPr>
-          <a:lstStyle/>
-          <a:p>
-            <a:pPr indent="0" lvl="0" marL="0" rtl="0" algn="l">
-              <a:spcBef>
-                <a:spcPts val="0"/>
-              </a:spcBef>
-              <a:spcAft>
-                <a:spcPts val="0"/>
-              </a:spcAft>
-              <a:buClr>
-                <a:srgbClr val="6C7373"/>
-              </a:buClr>
-              <a:buSzPts val="3200"/>
-              <a:buNone/>
-            </a:pPr>
-            <a:r>
-              <a:t/>
-            </a:r>
-            <a:endParaRPr sz="3200">
-              <a:solidFill>
-                <a:schemeClr val="dk1"/>
-              </a:solidFill>
-              <a:latin typeface="Times New Roman"/>
-              <a:ea typeface="Times New Roman"/>
-              <a:cs typeface="Times New Roman"/>
-              <a:sym typeface="Times New Roman"/>
-            </a:endParaRPr>
-          </a:p>
-          <a:p>
-            <a:pPr indent="0" lvl="0" marL="0" rtl="0" algn="l">
-              <a:spcBef>
-                <a:spcPts val="640"/>
-              </a:spcBef>
-              <a:spcAft>
-                <a:spcPts val="0"/>
-              </a:spcAft>
-              <a:buClr>
-                <a:srgbClr val="6C7373"/>
-              </a:buClr>
-              <a:buSzPts val="3200"/>
-              <a:buNone/>
-            </a:pPr>
-            <a:r>
-              <a:t/>
-            </a:r>
-            <a:endParaRPr sz="3200">
-              <a:solidFill>
-                <a:schemeClr val="dk1"/>
-              </a:solidFill>
-              <a:latin typeface="Times New Roman"/>
-              <a:ea typeface="Times New Roman"/>
-              <a:cs typeface="Times New Roman"/>
-              <a:sym typeface="Times New Roman"/>
-            </a:endParaRPr>
-          </a:p>
-          <a:p>
-            <a:pPr indent="-514350" lvl="0" marL="514350" rtl="0" algn="l">
-              <a:spcBef>
-                <a:spcPts val="640"/>
-              </a:spcBef>
-              <a:spcAft>
-                <a:spcPts val="0"/>
-              </a:spcAft>
-              <a:buClr>
-                <a:schemeClr val="dk1"/>
-              </a:buClr>
-              <a:buSzPts val="3200"/>
-              <a:buFont typeface="Times New Roman"/>
-              <a:buAutoNum type="arabicPeriod"/>
-            </a:pPr>
-            <a:r>
-              <a:rPr lang="en-US" sz="3200">
-                <a:solidFill>
-                  <a:schemeClr val="dk1"/>
-                </a:solidFill>
-                <a:latin typeface="Times New Roman"/>
-                <a:ea typeface="Times New Roman"/>
-                <a:cs typeface="Times New Roman"/>
-                <a:sym typeface="Times New Roman"/>
-              </a:rPr>
-              <a:t>Operators </a:t>
-            </a:r>
-            <a:endParaRPr>
-              <a:latin typeface="Times New Roman"/>
-              <a:ea typeface="Times New Roman"/>
-              <a:cs typeface="Times New Roman"/>
-              <a:sym typeface="Times New Roman"/>
-            </a:endParaRPr>
-          </a:p>
-          <a:p>
-            <a:pPr indent="-514350" lvl="0" marL="514350" rtl="0" algn="l">
-              <a:spcBef>
-                <a:spcPts val="640"/>
-              </a:spcBef>
-              <a:spcAft>
-                <a:spcPts val="0"/>
-              </a:spcAft>
-              <a:buClr>
-                <a:schemeClr val="dk1"/>
-              </a:buClr>
-              <a:buSzPts val="3200"/>
-              <a:buFont typeface="Times New Roman"/>
-              <a:buAutoNum type="arabicPeriod"/>
-            </a:pPr>
-            <a:r>
-              <a:rPr lang="en-US" sz="3200">
-                <a:solidFill>
-                  <a:schemeClr val="dk1"/>
-                </a:solidFill>
-                <a:latin typeface="Times New Roman"/>
-                <a:ea typeface="Times New Roman"/>
-                <a:cs typeface="Times New Roman"/>
-                <a:sym typeface="Times New Roman"/>
-              </a:rPr>
-              <a:t>Booleans and </a:t>
-            </a:r>
-            <a:r>
-              <a:rPr lang="en-US" sz="3200">
-                <a:solidFill>
-                  <a:schemeClr val="dk1"/>
-                </a:solidFill>
-                <a:latin typeface="Times New Roman"/>
-                <a:ea typeface="Times New Roman"/>
-                <a:cs typeface="Times New Roman"/>
-                <a:sym typeface="Times New Roman"/>
-              </a:rPr>
-              <a:t>Conditionals</a:t>
-            </a:r>
-            <a:endParaRPr>
-              <a:solidFill>
-                <a:schemeClr val="dk1"/>
-              </a:solidFill>
-              <a:latin typeface="Times New Roman"/>
-              <a:ea typeface="Times New Roman"/>
-              <a:cs typeface="Times New Roman"/>
-              <a:sym typeface="Times New Roman"/>
-            </a:endParaRPr>
-          </a:p>
-          <a:p>
-            <a:pPr indent="0" lvl="0" marL="0" rtl="0" algn="l">
-              <a:spcBef>
-                <a:spcPts val="640"/>
-              </a:spcBef>
-              <a:spcAft>
-                <a:spcPts val="0"/>
-              </a:spcAft>
-              <a:buClr>
-                <a:srgbClr val="6C7373"/>
-              </a:buClr>
-              <a:buSzPts val="3200"/>
-              <a:buNone/>
-            </a:pPr>
-            <a:r>
-              <a:t/>
-            </a:r>
-            <a:endParaRPr sz="3200">
-              <a:solidFill>
-                <a:schemeClr val="dk1"/>
-              </a:solidFill>
-              <a:latin typeface="Times New Roman"/>
-              <a:ea typeface="Times New Roman"/>
-              <a:cs typeface="Times New Roman"/>
-              <a:sym typeface="Times New Roman"/>
-            </a:endParaRPr>
-          </a:p>
-          <a:p>
-            <a:pPr indent="0" lvl="0" marL="0" rtl="0" algn="ctr">
-              <a:spcBef>
-                <a:spcPts val="560"/>
-              </a:spcBef>
-              <a:spcAft>
-                <a:spcPts val="0"/>
-              </a:spcAft>
-              <a:buClr>
-                <a:schemeClr val="dk1"/>
-              </a:buClr>
-              <a:buSzPts val="2800"/>
-              <a:buNone/>
-            </a:pPr>
-            <a:r>
-              <a:rPr lang="en-US">
-                <a:solidFill>
-                  <a:schemeClr val="dk1"/>
-                </a:solidFill>
-                <a:latin typeface="Times New Roman"/>
-                <a:ea typeface="Times New Roman"/>
-                <a:cs typeface="Times New Roman"/>
-                <a:sym typeface="Times New Roman"/>
-              </a:rPr>
-              <a:t>https://github.com/ClaudiaECarroll/triads_intro_python</a:t>
-            </a:r>
-            <a:endParaRPr>
-              <a:solidFill>
-                <a:schemeClr val="dk1"/>
-              </a:solidFill>
-              <a:latin typeface="Times New Roman"/>
-              <a:ea typeface="Times New Roman"/>
-              <a:cs typeface="Times New Roman"/>
-              <a:sym typeface="Times New Roman"/>
-            </a:endParaRPr>
-          </a:p>
-        </p:txBody>
-      </p:sp>
-    </p:spTree>
-  </p:cSld>
-  <p:clrMapOvr>
-    <a:masterClrMapping/>
-  </p:clrMapOvr>
-</p:sld>
-</file>
-
-<file path=ppt/slides/slide3.xml><?xml version="1.0" encoding="utf-8"?>
-<p:sld xmlns:a="http://schemas.openxmlformats.org/drawingml/2006/main" xmlns:r="http://schemas.openxmlformats.org/officeDocument/2006/relationships" xmlns:mc="http://schemas.openxmlformats.org/markup-compatibility/2006" xmlns:mv="urn:schemas-microsoft-com:mac:vml" xmlns:p="http://schemas.openxmlformats.org/presentationml/2006/main" xmlns:c="http://schemas.openxmlformats.org/drawingml/2006/chart" xmlns:dgm="http://schemas.openxmlformats.org/drawingml/2006/diagram" xmlns:o="urn:schemas-microsoft-com:office:office" xmlns:v="urn:schemas-microsoft-com:vml" xmlns:pvml="urn:schemas-microsoft-com:office:powerpoint" xmlns:com="http://schemas.openxmlformats.org/drawingml/2006/compatibility" xmlns:p14="http://schemas.microsoft.com/office/powerpoint/2010/main" xmlns:p15="http://schemas.microsoft.com/office/powerpoint/2012/main" xmlns:ahyp="http://schemas.microsoft.com/office/drawing/2018/hyperlinkcolor">
-  <p:cSld>
-    <p:spTree>
-      <p:nvGrpSpPr>
-        <p:cNvPr id="59" name="Shape 59"/>
-        <p:cNvGrpSpPr/>
-        <p:nvPr/>
-      </p:nvGrpSpPr>
-      <p:grpSpPr>
-        <a:xfrm>
-          <a:off x="0" y="0"/>
-          <a:ext cx="0" cy="0"/>
-          <a:chOff x="0" y="0"/>
-          <a:chExt cx="0" cy="0"/>
-        </a:xfrm>
-      </p:grpSpPr>
-      <p:sp>
-        <p:nvSpPr>
-          <p:cNvPr id="60" name="Google Shape;60;g357606a6c1a_0_0"/>
+          <p:cNvPr id="54" name="Google Shape;54;g357606a6c1a_0_0"/>
           <p:cNvSpPr txBox="1"/>
           <p:nvPr>
             <p:ph type="title"/>
@@ -6445,7 +6035,7 @@
       </p:sp>
       <p:graphicFrame>
         <p:nvGraphicFramePr>
-          <p:cNvPr id="61" name="Google Shape;61;g357606a6c1a_0_0"/>
+          <p:cNvPr id="55" name="Google Shape;55;g357606a6c1a_0_0"/>
           <p:cNvGraphicFramePr/>
           <p:nvPr/>
         </p:nvGraphicFramePr>
@@ -6458,7 +6048,7 @@
             <a:tbl>
               <a:tblPr>
                 <a:noFill/>
-                <a:tableStyleId>{066C852D-A2A0-4F6E-8950-BAD9CB96F28C}</a:tableStyleId>
+                <a:tableStyleId>{B80157EC-1DDB-4975-8815-B322E6E79F12}</a:tableStyleId>
               </a:tblPr>
               <a:tblGrid>
                 <a:gridCol w="1037275"/>
@@ -6973,12 +6563,12 @@
 </p:sld>
 </file>
 
-<file path=ppt/slides/slide4.xml><?xml version="1.0" encoding="utf-8"?>
+<file path=ppt/slides/slide3.xml><?xml version="1.0" encoding="utf-8"?>
 <p:sld xmlns:a="http://schemas.openxmlformats.org/drawingml/2006/main" xmlns:r="http://schemas.openxmlformats.org/officeDocument/2006/relationships" xmlns:mc="http://schemas.openxmlformats.org/markup-compatibility/2006" xmlns:mv="urn:schemas-microsoft-com:mac:vml" xmlns:p="http://schemas.openxmlformats.org/presentationml/2006/main" xmlns:c="http://schemas.openxmlformats.org/drawingml/2006/chart" xmlns:dgm="http://schemas.openxmlformats.org/drawingml/2006/diagram" xmlns:o="urn:schemas-microsoft-com:office:office" xmlns:v="urn:schemas-microsoft-com:vml" xmlns:pvml="urn:schemas-microsoft-com:office:powerpoint" xmlns:com="http://schemas.openxmlformats.org/drawingml/2006/compatibility" xmlns:p14="http://schemas.microsoft.com/office/powerpoint/2010/main" xmlns:p15="http://schemas.microsoft.com/office/powerpoint/2012/main" xmlns:ahyp="http://schemas.microsoft.com/office/drawing/2018/hyperlinkcolor">
   <p:cSld>
     <p:spTree>
       <p:nvGrpSpPr>
-        <p:cNvPr id="65" name="Shape 65"/>
+        <p:cNvPr id="59" name="Shape 59"/>
         <p:cNvGrpSpPr/>
         <p:nvPr/>
       </p:nvGrpSpPr>
@@ -6992,7 +6582,7 @@
       </p:grpSpPr>
       <p:sp>
         <p:nvSpPr>
-          <p:cNvPr id="66" name="Google Shape;66;g357606a6c1a_0_5"/>
+          <p:cNvPr id="60" name="Google Shape;60;g357606a6c1a_0_5"/>
           <p:cNvSpPr txBox="1"/>
           <p:nvPr>
             <p:ph type="title"/>
@@ -7040,7 +6630,7 @@
       </p:sp>
       <p:graphicFrame>
         <p:nvGraphicFramePr>
-          <p:cNvPr id="67" name="Google Shape;67;g357606a6c1a_0_5"/>
+          <p:cNvPr id="61" name="Google Shape;61;g357606a6c1a_0_5"/>
           <p:cNvGraphicFramePr/>
           <p:nvPr/>
         </p:nvGraphicFramePr>
@@ -7053,7 +6643,7 @@
             <a:tbl>
               <a:tblPr bandRow="1">
                 <a:noFill/>
-                <a:tableStyleId>{F6CE1C7F-4A96-43C1-853E-61B65C7D4A1F}</a:tableStyleId>
+                <a:tableStyleId>{6D1F0C59-9C33-4DCF-AD2F-E2787E5CA7A3}</a:tableStyleId>
               </a:tblPr>
               <a:tblGrid>
                 <a:gridCol w="1345225"/>
@@ -7482,12 +7072,12 @@
 </p:sld>
 </file>
 
-<file path=ppt/slides/slide5.xml><?xml version="1.0" encoding="utf-8"?>
+<file path=ppt/slides/slide4.xml><?xml version="1.0" encoding="utf-8"?>
 <p:sld xmlns:a="http://schemas.openxmlformats.org/drawingml/2006/main" xmlns:r="http://schemas.openxmlformats.org/officeDocument/2006/relationships" xmlns:mc="http://schemas.openxmlformats.org/markup-compatibility/2006" xmlns:mv="urn:schemas-microsoft-com:mac:vml" xmlns:p="http://schemas.openxmlformats.org/presentationml/2006/main" xmlns:c="http://schemas.openxmlformats.org/drawingml/2006/chart" xmlns:dgm="http://schemas.openxmlformats.org/drawingml/2006/diagram" xmlns:o="urn:schemas-microsoft-com:office:office" xmlns:v="urn:schemas-microsoft-com:vml" xmlns:pvml="urn:schemas-microsoft-com:office:powerpoint" xmlns:com="http://schemas.openxmlformats.org/drawingml/2006/compatibility" xmlns:p14="http://schemas.microsoft.com/office/powerpoint/2010/main" xmlns:p15="http://schemas.microsoft.com/office/powerpoint/2012/main" xmlns:ahyp="http://schemas.microsoft.com/office/drawing/2018/hyperlinkcolor">
   <p:cSld>
     <p:spTree>
       <p:nvGrpSpPr>
-        <p:cNvPr id="71" name="Shape 71"/>
+        <p:cNvPr id="65" name="Shape 65"/>
         <p:cNvGrpSpPr/>
         <p:nvPr/>
       </p:nvGrpSpPr>
@@ -7501,7 +7091,7 @@
       </p:grpSpPr>
       <p:sp>
         <p:nvSpPr>
-          <p:cNvPr id="72" name="Google Shape;72;p4"/>
+          <p:cNvPr id="66" name="Google Shape;66;p4"/>
           <p:cNvSpPr txBox="1"/>
           <p:nvPr>
             <p:ph type="title"/>
@@ -7554,7 +7144,7 @@
       </p:sp>
       <p:sp>
         <p:nvSpPr>
-          <p:cNvPr id="73" name="Google Shape;73;p4"/>
+          <p:cNvPr id="67" name="Google Shape;67;p4"/>
           <p:cNvSpPr txBox="1"/>
           <p:nvPr>
             <p:ph idx="1" type="body"/>
@@ -7929,12 +7519,12 @@
 </p:sld>
 </file>
 
-<file path=ppt/slides/slide6.xml><?xml version="1.0" encoding="utf-8"?>
+<file path=ppt/slides/slide5.xml><?xml version="1.0" encoding="utf-8"?>
 <p:sld xmlns:a="http://schemas.openxmlformats.org/drawingml/2006/main" xmlns:r="http://schemas.openxmlformats.org/officeDocument/2006/relationships" xmlns:mc="http://schemas.openxmlformats.org/markup-compatibility/2006" xmlns:mv="urn:schemas-microsoft-com:mac:vml" xmlns:p="http://schemas.openxmlformats.org/presentationml/2006/main" xmlns:c="http://schemas.openxmlformats.org/drawingml/2006/chart" xmlns:dgm="http://schemas.openxmlformats.org/drawingml/2006/diagram" xmlns:o="urn:schemas-microsoft-com:office:office" xmlns:v="urn:schemas-microsoft-com:vml" xmlns:pvml="urn:schemas-microsoft-com:office:powerpoint" xmlns:com="http://schemas.openxmlformats.org/drawingml/2006/compatibility" xmlns:p14="http://schemas.microsoft.com/office/powerpoint/2010/main" xmlns:p15="http://schemas.microsoft.com/office/powerpoint/2012/main" xmlns:ahyp="http://schemas.microsoft.com/office/drawing/2018/hyperlinkcolor">
   <p:cSld>
     <p:spTree>
       <p:nvGrpSpPr>
-        <p:cNvPr id="77" name="Shape 77"/>
+        <p:cNvPr id="71" name="Shape 71"/>
         <p:cNvGrpSpPr/>
         <p:nvPr/>
       </p:nvGrpSpPr>
@@ -7948,7 +7538,7 @@
       </p:grpSpPr>
       <p:sp>
         <p:nvSpPr>
-          <p:cNvPr id="78" name="Google Shape;78;p5"/>
+          <p:cNvPr id="72" name="Google Shape;72;p5"/>
           <p:cNvSpPr txBox="1"/>
           <p:nvPr>
             <p:ph type="title"/>
@@ -8001,7 +7591,7 @@
       </p:sp>
       <p:sp>
         <p:nvSpPr>
-          <p:cNvPr id="79" name="Google Shape;79;p5"/>
+          <p:cNvPr id="73" name="Google Shape;73;p5"/>
           <p:cNvSpPr txBox="1"/>
           <p:nvPr>
             <p:ph idx="1" type="body"/>
@@ -8113,7 +7703,7 @@
       </p:sp>
       <p:graphicFrame>
         <p:nvGraphicFramePr>
-          <p:cNvPr id="80" name="Google Shape;80;p5"/>
+          <p:cNvPr id="74" name="Google Shape;74;p5"/>
           <p:cNvGraphicFramePr/>
           <p:nvPr/>
         </p:nvGraphicFramePr>
@@ -8126,7 +7716,7 @@
             <a:tbl>
               <a:tblPr bandRow="1" firstRow="1">
                 <a:noFill/>
-                <a:tableStyleId>{5FBCACF5-40EE-4EE1-81ED-7106E2E424C3}</a:tableStyleId>
+                <a:tableStyleId>{604CFFCB-0DA5-4158-8D3B-DF17877E746C}</a:tableStyleId>
               </a:tblPr>
               <a:tblGrid>
                 <a:gridCol w="2829550"/>
@@ -9008,12 +8598,12 @@
 </p:sld>
 </file>
 
-<file path=ppt/slides/slide7.xml><?xml version="1.0" encoding="utf-8"?>
+<file path=ppt/slides/slide6.xml><?xml version="1.0" encoding="utf-8"?>
 <p:sld xmlns:a="http://schemas.openxmlformats.org/drawingml/2006/main" xmlns:r="http://schemas.openxmlformats.org/officeDocument/2006/relationships" xmlns:mc="http://schemas.openxmlformats.org/markup-compatibility/2006" xmlns:mv="urn:schemas-microsoft-com:mac:vml" xmlns:p="http://schemas.openxmlformats.org/presentationml/2006/main" xmlns:c="http://schemas.openxmlformats.org/drawingml/2006/chart" xmlns:dgm="http://schemas.openxmlformats.org/drawingml/2006/diagram" xmlns:o="urn:schemas-microsoft-com:office:office" xmlns:v="urn:schemas-microsoft-com:vml" xmlns:pvml="urn:schemas-microsoft-com:office:powerpoint" xmlns:com="http://schemas.openxmlformats.org/drawingml/2006/compatibility" xmlns:p14="http://schemas.microsoft.com/office/powerpoint/2010/main" xmlns:p15="http://schemas.microsoft.com/office/powerpoint/2012/main" xmlns:ahyp="http://schemas.microsoft.com/office/drawing/2018/hyperlinkcolor">
   <p:cSld>
     <p:spTree>
       <p:nvGrpSpPr>
-        <p:cNvPr id="84" name="Shape 84"/>
+        <p:cNvPr id="78" name="Shape 78"/>
         <p:cNvGrpSpPr/>
         <p:nvPr/>
       </p:nvGrpSpPr>
@@ -9027,7 +8617,7 @@
       </p:grpSpPr>
       <p:sp>
         <p:nvSpPr>
-          <p:cNvPr id="85" name="Google Shape;85;p6"/>
+          <p:cNvPr id="79" name="Google Shape;79;p6"/>
           <p:cNvSpPr txBox="1"/>
           <p:nvPr>
             <p:ph idx="1" type="body"/>
@@ -9314,7 +8904,7 @@
       </p:sp>
       <p:sp>
         <p:nvSpPr>
-          <p:cNvPr id="86" name="Google Shape;86;p6"/>
+          <p:cNvPr id="80" name="Google Shape;80;p6"/>
           <p:cNvSpPr txBox="1"/>
           <p:nvPr>
             <p:ph type="title"/>
@@ -9385,12 +8975,12 @@
 </p:sld>
 </file>
 
-<file path=ppt/slides/slide8.xml><?xml version="1.0" encoding="utf-8"?>
+<file path=ppt/slides/slide7.xml><?xml version="1.0" encoding="utf-8"?>
 <p:sld xmlns:a="http://schemas.openxmlformats.org/drawingml/2006/main" xmlns:r="http://schemas.openxmlformats.org/officeDocument/2006/relationships" xmlns:mc="http://schemas.openxmlformats.org/markup-compatibility/2006" xmlns:mv="urn:schemas-microsoft-com:mac:vml" xmlns:p="http://schemas.openxmlformats.org/presentationml/2006/main" xmlns:c="http://schemas.openxmlformats.org/drawingml/2006/chart" xmlns:dgm="http://schemas.openxmlformats.org/drawingml/2006/diagram" xmlns:o="urn:schemas-microsoft-com:office:office" xmlns:v="urn:schemas-microsoft-com:vml" xmlns:pvml="urn:schemas-microsoft-com:office:powerpoint" xmlns:com="http://schemas.openxmlformats.org/drawingml/2006/compatibility" xmlns:p14="http://schemas.microsoft.com/office/powerpoint/2010/main" xmlns:p15="http://schemas.microsoft.com/office/powerpoint/2012/main" xmlns:ahyp="http://schemas.microsoft.com/office/drawing/2018/hyperlinkcolor">
   <p:cSld>
     <p:spTree>
       <p:nvGrpSpPr>
-        <p:cNvPr id="90" name="Shape 90"/>
+        <p:cNvPr id="84" name="Shape 84"/>
         <p:cNvGrpSpPr/>
         <p:nvPr/>
       </p:nvGrpSpPr>
@@ -9404,7 +8994,7 @@
       </p:grpSpPr>
       <p:sp>
         <p:nvSpPr>
-          <p:cNvPr id="91" name="Google Shape;91;p11"/>
+          <p:cNvPr id="85" name="Google Shape;85;p11"/>
           <p:cNvSpPr txBox="1"/>
           <p:nvPr>
             <p:ph type="ctrTitle"/>
